--- a/OntologiaUrbanMobility.pptx
+++ b/OntologiaUrbanMobility.pptx
@@ -304,7 +304,7 @@
           <a:p>
             <a:fld id="{DAB05145-F3D8-4733-8609-05D61F1128A0}" type="datetimeFigureOut">
               <a:rPr lang="en-US" smtClean="0"/>
-              <a:t>7/6/2016</a:t>
+              <a:t>7/7/2016</a:t>
             </a:fld>
             <a:endParaRPr lang="en-US"/>
           </a:p>
@@ -474,7 +474,7 @@
           <a:p>
             <a:fld id="{DAB05145-F3D8-4733-8609-05D61F1128A0}" type="datetimeFigureOut">
               <a:rPr lang="en-US" smtClean="0"/>
-              <a:t>7/6/2016</a:t>
+              <a:t>7/7/2016</a:t>
             </a:fld>
             <a:endParaRPr lang="en-US"/>
           </a:p>
@@ -697,7 +697,7 @@
           <a:p>
             <a:fld id="{DAB05145-F3D8-4733-8609-05D61F1128A0}" type="datetimeFigureOut">
               <a:rPr lang="en-US" smtClean="0"/>
-              <a:t>7/6/2016</a:t>
+              <a:t>7/7/2016</a:t>
             </a:fld>
             <a:endParaRPr lang="en-US"/>
           </a:p>
@@ -877,7 +877,7 @@
           <a:p>
             <a:fld id="{DAB05145-F3D8-4733-8609-05D61F1128A0}" type="datetimeFigureOut">
               <a:rPr lang="en-US" smtClean="0"/>
-              <a:t>7/6/2016</a:t>
+              <a:t>7/7/2016</a:t>
             </a:fld>
             <a:endParaRPr lang="en-US"/>
           </a:p>
@@ -1183,7 +1183,7 @@
           <a:p>
             <a:fld id="{DAB05145-F3D8-4733-8609-05D61F1128A0}" type="datetimeFigureOut">
               <a:rPr lang="en-US" smtClean="0"/>
-              <a:t>7/6/2016</a:t>
+              <a:t>7/7/2016</a:t>
             </a:fld>
             <a:endParaRPr lang="en-US"/>
           </a:p>
@@ -1487,7 +1487,7 @@
           <a:p>
             <a:fld id="{DAB05145-F3D8-4733-8609-05D61F1128A0}" type="datetimeFigureOut">
               <a:rPr lang="en-US" smtClean="0"/>
-              <a:t>7/6/2016</a:t>
+              <a:t>7/7/2016</a:t>
             </a:fld>
             <a:endParaRPr lang="en-US"/>
           </a:p>
@@ -1909,7 +1909,7 @@
           <a:p>
             <a:fld id="{DAB05145-F3D8-4733-8609-05D61F1128A0}" type="datetimeFigureOut">
               <a:rPr lang="en-US" smtClean="0"/>
-              <a:t>7/6/2016</a:t>
+              <a:t>7/7/2016</a:t>
             </a:fld>
             <a:endParaRPr lang="en-US"/>
           </a:p>
@@ -2027,7 +2027,7 @@
           <a:p>
             <a:fld id="{DAB05145-F3D8-4733-8609-05D61F1128A0}" type="datetimeFigureOut">
               <a:rPr lang="en-US" smtClean="0"/>
-              <a:t>7/6/2016</a:t>
+              <a:t>7/7/2016</a:t>
             </a:fld>
             <a:endParaRPr lang="en-US"/>
           </a:p>
@@ -2122,7 +2122,7 @@
           <a:p>
             <a:fld id="{DAB05145-F3D8-4733-8609-05D61F1128A0}" type="datetimeFigureOut">
               <a:rPr lang="en-US" smtClean="0"/>
-              <a:t>7/6/2016</a:t>
+              <a:t>7/7/2016</a:t>
             </a:fld>
             <a:endParaRPr lang="en-US"/>
           </a:p>
@@ -2395,7 +2395,7 @@
           <a:p>
             <a:fld id="{DAB05145-F3D8-4733-8609-05D61F1128A0}" type="datetimeFigureOut">
               <a:rPr lang="en-US" smtClean="0"/>
-              <a:t>7/6/2016</a:t>
+              <a:t>7/7/2016</a:t>
             </a:fld>
             <a:endParaRPr lang="en-US"/>
           </a:p>
@@ -2660,7 +2660,7 @@
           <a:p>
             <a:fld id="{DAB05145-F3D8-4733-8609-05D61F1128A0}" type="datetimeFigureOut">
               <a:rPr lang="en-US" smtClean="0"/>
-              <a:t>7/6/2016</a:t>
+              <a:t>7/7/2016</a:t>
             </a:fld>
             <a:endParaRPr lang="en-US"/>
           </a:p>
@@ -2909,7 +2909,7 @@
           <a:p>
             <a:fld id="{DAB05145-F3D8-4733-8609-05D61F1128A0}" type="datetimeFigureOut">
               <a:rPr lang="en-US" smtClean="0"/>
-              <a:t>7/6/2016</a:t>
+              <a:t>7/7/2016</a:t>
             </a:fld>
             <a:endParaRPr lang="en-US"/>
           </a:p>
@@ -5685,7 +5685,9 @@
         </p:nvSpPr>
         <p:spPr/>
         <p:txBody>
-          <a:bodyPr/>
+          <a:bodyPr>
+            <a:normAutofit/>
+          </a:bodyPr>
           <a:lstStyle/>
           <a:p>
             <a:r>
@@ -5710,22 +5712,16 @@
             <a:endParaRPr lang="en-US" dirty="0" smtClean="0"/>
           </a:p>
           <a:p>
-            <a:pPr lvl="1"/>
+            <a:pPr marL="228600" lvl="1" indent="0">
+              <a:buNone/>
+            </a:pPr>
             <a:endParaRPr lang="pt-BR" dirty="0"/>
           </a:p>
           <a:p>
-            <a:r>
-              <a:rPr lang="pt-BR" dirty="0" smtClean="0"/>
-              <a:t>Erich Menezes</a:t>
-            </a:r>
-          </a:p>
-          <a:p>
-            <a:pPr lvl="1"/>
-            <a:r>
-              <a:rPr lang="pt-BR" dirty="0" smtClean="0"/>
-              <a:t>erich.menezes1@gmail.com</a:t>
-            </a:r>
-            <a:endParaRPr lang="en-US" dirty="0"/>
+            <a:pPr marL="228600" lvl="1" indent="0">
+              <a:buNone/>
+            </a:pPr>
+            <a:endParaRPr lang="pt-BR" dirty="0" smtClean="0"/>
           </a:p>
         </p:txBody>
       </p:sp>
@@ -6741,7 +6737,6 @@
               <a:rPr lang="pt-BR" dirty="0" smtClean="0"/>
               <a:t>CorredorDeOnibus</a:t>
             </a:r>
-            <a:endParaRPr lang="pt-BR" dirty="0" smtClean="0"/>
           </a:p>
           <a:p>
             <a:pPr lvl="1"/>
@@ -8006,11 +8001,6 @@
               </a:rPr>
               <a:t>false</a:t>
             </a:r>
-            <a:endParaRPr lang="pt-BR" b="1" dirty="0" smtClean="0">
-              <a:solidFill>
-                <a:srgbClr val="FF0000"/>
-              </a:solidFill>
-            </a:endParaRPr>
           </a:p>
           <a:p>
             <a:pPr lvl="2"/>
